--- a/ESTR4999_Notes/frame_sending_scheme.pptx
+++ b/ESTR4999_Notes/frame_sending_scheme.pptx
@@ -105,6 +105,11 @@
       </a:defRPr>
     </a:lvl9pPr>
   </p:defaultTextStyle>
+  <p:extLst>
+    <p:ext uri="{EFAFB233-063F-42B5-8137-9DF3F51BA10A}">
+      <p15:sldGuideLst xmlns:p15="http://schemas.microsoft.com/office/powerpoint/2012/main"/>
+    </p:ext>
+  </p:extLst>
 </p:presentation>
 </file>
 
@@ -3444,7 +3449,7 @@
         </p:nvGrpSpPr>
         <p:grpSpPr>
           <a:xfrm>
-            <a:off x="0" y="332904"/>
+            <a:off x="216504" y="354336"/>
             <a:ext cx="11758991" cy="3418181"/>
             <a:chOff x="310206" y="2045184"/>
             <a:chExt cx="11325982" cy="3034882"/>
@@ -3510,8 +3515,8 @@
               </a:p>
             </p:txBody>
           </p:sp>
-          <mc:AlternateContent xmlns:mc="http://schemas.openxmlformats.org/markup-compatibility/2006">
-            <mc:Choice xmlns:a14="http://schemas.microsoft.com/office/drawing/2010/main" Requires="a14">
+          <mc:AlternateContent xmlns:mc="http://schemas.openxmlformats.org/markup-compatibility/2006" xmlns:a14="http://schemas.microsoft.com/office/drawing/2010/main">
+            <mc:Choice Requires="a14">
               <p:sp>
                 <p:nvSpPr>
                   <p:cNvPr id="8" name="Rectangle 8">
@@ -3677,7 +3682,7 @@
                 </p:txBody>
               </p:sp>
             </mc:Choice>
-            <mc:Fallback>
+            <mc:Fallback xmlns="">
               <p:sp>
                 <p:nvSpPr>
                   <p:cNvPr id="8" name="Rectangle 8">
@@ -3810,8 +3815,8 @@
               </a:fontRef>
             </p:style>
           </p:cxnSp>
-          <mc:AlternateContent xmlns:mc="http://schemas.openxmlformats.org/markup-compatibility/2006">
-            <mc:Choice xmlns:a14="http://schemas.microsoft.com/office/drawing/2010/main" Requires="a14">
+          <mc:AlternateContent xmlns:mc="http://schemas.openxmlformats.org/markup-compatibility/2006" xmlns:a14="http://schemas.microsoft.com/office/drawing/2010/main">
+            <mc:Choice Requires="a14">
               <p:sp>
                 <p:nvSpPr>
                   <p:cNvPr id="48" name="TextBox 37">
@@ -3886,7 +3891,7 @@
                 </p:txBody>
               </p:sp>
             </mc:Choice>
-            <mc:Fallback>
+            <mc:Fallback xmlns="">
               <p:sp>
                 <p:nvSpPr>
                   <p:cNvPr id="48" name="TextBox 37">
@@ -3975,8 +3980,8 @@
               </a:fontRef>
             </p:style>
           </p:cxnSp>
-          <mc:AlternateContent xmlns:mc="http://schemas.openxmlformats.org/markup-compatibility/2006">
-            <mc:Choice xmlns:a14="http://schemas.microsoft.com/office/drawing/2010/main" Requires="a14">
+          <mc:AlternateContent xmlns:mc="http://schemas.openxmlformats.org/markup-compatibility/2006" xmlns:a14="http://schemas.microsoft.com/office/drawing/2010/main">
+            <mc:Choice Requires="a14">
               <p:sp>
                 <p:nvSpPr>
                   <p:cNvPr id="20" name="TextBox 37">
@@ -4045,7 +4050,7 @@
                 </p:txBody>
               </p:sp>
             </mc:Choice>
-            <mc:Fallback>
+            <mc:Fallback xmlns="">
               <p:sp>
                 <p:nvSpPr>
                   <p:cNvPr id="20" name="TextBox 37">
@@ -4214,8 +4219,8 @@
               </a:fontRef>
             </p:style>
           </p:cxnSp>
-          <mc:AlternateContent xmlns:mc="http://schemas.openxmlformats.org/markup-compatibility/2006">
-            <mc:Choice xmlns:a14="http://schemas.microsoft.com/office/drawing/2010/main" Requires="a14">
+          <mc:AlternateContent xmlns:mc="http://schemas.openxmlformats.org/markup-compatibility/2006" xmlns:a14="http://schemas.microsoft.com/office/drawing/2010/main">
+            <mc:Choice Requires="a14">
               <p:sp>
                 <p:nvSpPr>
                   <p:cNvPr id="47" name="TextBox 37">
@@ -4290,7 +4295,7 @@
                 </p:txBody>
               </p:sp>
             </mc:Choice>
-            <mc:Fallback>
+            <mc:Fallback xmlns="">
               <p:sp>
                 <p:nvSpPr>
                   <p:cNvPr id="47" name="TextBox 37">
@@ -4687,7 +4692,6 @@
               </a:bodyPr>
               <a:lstStyle/>
               <a:p>
-                <a:pPr/>
                 <a:r>
                   <a:rPr lang="en-US" sz="2500" dirty="0">
                     <a:solidFill>
@@ -5299,8 +5303,8 @@
               </a:fontRef>
             </p:style>
           </p:cxnSp>
-          <mc:AlternateContent xmlns:mc="http://schemas.openxmlformats.org/markup-compatibility/2006">
-            <mc:Choice xmlns:a14="http://schemas.microsoft.com/office/drawing/2010/main" Requires="a14">
+          <mc:AlternateContent xmlns:mc="http://schemas.openxmlformats.org/markup-compatibility/2006" xmlns:a14="http://schemas.microsoft.com/office/drawing/2010/main">
+            <mc:Choice Requires="a14">
               <p:sp>
                 <p:nvSpPr>
                   <p:cNvPr id="90" name="TextBox 37">
@@ -5369,7 +5373,7 @@
                 </p:txBody>
               </p:sp>
             </mc:Choice>
-            <mc:Fallback>
+            <mc:Fallback xmlns="">
               <p:sp>
                 <p:nvSpPr>
                   <p:cNvPr id="90" name="TextBox 37">
@@ -5443,7 +5447,6 @@
             </a:bodyPr>
             <a:lstStyle/>
             <a:p>
-              <a:pPr/>
               <a:r>
                 <a:rPr lang="en-US" sz="2500" dirty="0">
                   <a:solidFill>

--- a/ESTR4999_Notes/frame_sending_scheme.pptx
+++ b/ESTR4999_Notes/frame_sending_scheme.pptx
@@ -7,6 +7,7 @@
   <p:sldIdLst>
     <p:sldId id="256" r:id="rId2"/>
     <p:sldId id="257" r:id="rId3"/>
+    <p:sldId id="258" r:id="rId4"/>
   </p:sldIdLst>
   <p:sldSz cx="12192000" cy="6858000"/>
   <p:notesSz cx="6858000" cy="9144000"/>
@@ -260,7 +261,7 @@
           <a:p>
             <a:fld id="{1F8B82B0-782F-B148-A911-C18BC0FE1ECB}" type="datetimeFigureOut">
               <a:rPr kumimoji="1" lang="zh-TW" altLang="en-US" smtClean="0"/>
-              <a:t>2022/1/14</a:t>
+              <a:t>2022/4/10</a:t>
             </a:fld>
             <a:endParaRPr kumimoji="1" lang="zh-TW" altLang="en-US"/>
           </a:p>
@@ -458,7 +459,7 @@
           <a:p>
             <a:fld id="{1F8B82B0-782F-B148-A911-C18BC0FE1ECB}" type="datetimeFigureOut">
               <a:rPr kumimoji="1" lang="zh-TW" altLang="en-US" smtClean="0"/>
-              <a:t>2022/1/14</a:t>
+              <a:t>2022/4/10</a:t>
             </a:fld>
             <a:endParaRPr kumimoji="1" lang="zh-TW" altLang="en-US"/>
           </a:p>
@@ -666,7 +667,7 @@
           <a:p>
             <a:fld id="{1F8B82B0-782F-B148-A911-C18BC0FE1ECB}" type="datetimeFigureOut">
               <a:rPr kumimoji="1" lang="zh-TW" altLang="en-US" smtClean="0"/>
-              <a:t>2022/1/14</a:t>
+              <a:t>2022/4/10</a:t>
             </a:fld>
             <a:endParaRPr kumimoji="1" lang="zh-TW" altLang="en-US"/>
           </a:p>
@@ -864,7 +865,7 @@
           <a:p>
             <a:fld id="{1F8B82B0-782F-B148-A911-C18BC0FE1ECB}" type="datetimeFigureOut">
               <a:rPr kumimoji="1" lang="zh-TW" altLang="en-US" smtClean="0"/>
-              <a:t>2022/1/14</a:t>
+              <a:t>2022/4/10</a:t>
             </a:fld>
             <a:endParaRPr kumimoji="1" lang="zh-TW" altLang="en-US"/>
           </a:p>
@@ -1139,7 +1140,7 @@
           <a:p>
             <a:fld id="{1F8B82B0-782F-B148-A911-C18BC0FE1ECB}" type="datetimeFigureOut">
               <a:rPr kumimoji="1" lang="zh-TW" altLang="en-US" smtClean="0"/>
-              <a:t>2022/1/14</a:t>
+              <a:t>2022/4/10</a:t>
             </a:fld>
             <a:endParaRPr kumimoji="1" lang="zh-TW" altLang="en-US"/>
           </a:p>
@@ -1404,7 +1405,7 @@
           <a:p>
             <a:fld id="{1F8B82B0-782F-B148-A911-C18BC0FE1ECB}" type="datetimeFigureOut">
               <a:rPr kumimoji="1" lang="zh-TW" altLang="en-US" smtClean="0"/>
-              <a:t>2022/1/14</a:t>
+              <a:t>2022/4/10</a:t>
             </a:fld>
             <a:endParaRPr kumimoji="1" lang="zh-TW" altLang="en-US"/>
           </a:p>
@@ -1816,7 +1817,7 @@
           <a:p>
             <a:fld id="{1F8B82B0-782F-B148-A911-C18BC0FE1ECB}" type="datetimeFigureOut">
               <a:rPr kumimoji="1" lang="zh-TW" altLang="en-US" smtClean="0"/>
-              <a:t>2022/1/14</a:t>
+              <a:t>2022/4/10</a:t>
             </a:fld>
             <a:endParaRPr kumimoji="1" lang="zh-TW" altLang="en-US"/>
           </a:p>
@@ -1957,7 +1958,7 @@
           <a:p>
             <a:fld id="{1F8B82B0-782F-B148-A911-C18BC0FE1ECB}" type="datetimeFigureOut">
               <a:rPr kumimoji="1" lang="zh-TW" altLang="en-US" smtClean="0"/>
-              <a:t>2022/1/14</a:t>
+              <a:t>2022/4/10</a:t>
             </a:fld>
             <a:endParaRPr kumimoji="1" lang="zh-TW" altLang="en-US"/>
           </a:p>
@@ -2070,7 +2071,7 @@
           <a:p>
             <a:fld id="{1F8B82B0-782F-B148-A911-C18BC0FE1ECB}" type="datetimeFigureOut">
               <a:rPr kumimoji="1" lang="zh-TW" altLang="en-US" smtClean="0"/>
-              <a:t>2022/1/14</a:t>
+              <a:t>2022/4/10</a:t>
             </a:fld>
             <a:endParaRPr kumimoji="1" lang="zh-TW" altLang="en-US"/>
           </a:p>
@@ -2381,7 +2382,7 @@
           <a:p>
             <a:fld id="{1F8B82B0-782F-B148-A911-C18BC0FE1ECB}" type="datetimeFigureOut">
               <a:rPr kumimoji="1" lang="zh-TW" altLang="en-US" smtClean="0"/>
-              <a:t>2022/1/14</a:t>
+              <a:t>2022/4/10</a:t>
             </a:fld>
             <a:endParaRPr kumimoji="1" lang="zh-TW" altLang="en-US"/>
           </a:p>
@@ -2669,7 +2670,7 @@
           <a:p>
             <a:fld id="{1F8B82B0-782F-B148-A911-C18BC0FE1ECB}" type="datetimeFigureOut">
               <a:rPr kumimoji="1" lang="zh-TW" altLang="en-US" smtClean="0"/>
-              <a:t>2022/1/14</a:t>
+              <a:t>2022/4/10</a:t>
             </a:fld>
             <a:endParaRPr kumimoji="1" lang="zh-TW" altLang="en-US"/>
           </a:p>
@@ -2910,7 +2911,7 @@
           <a:p>
             <a:fld id="{1F8B82B0-782F-B148-A911-C18BC0FE1ECB}" type="datetimeFigureOut">
               <a:rPr kumimoji="1" lang="zh-TW" altLang="en-US" smtClean="0"/>
-              <a:t>2022/1/14</a:t>
+              <a:t>2022/4/10</a:t>
             </a:fld>
             <a:endParaRPr kumimoji="1" lang="zh-TW" altLang="en-US"/>
           </a:p>
@@ -3490,7 +3491,7 @@
             <p:spPr>
               <a:xfrm>
                 <a:off x="619568" y="3306499"/>
-                <a:ext cx="1584746" cy="396111"/>
+                <a:ext cx="971296" cy="254001"/>
               </a:xfrm>
               <a:prstGeom prst="rect">
                 <a:avLst/>
@@ -3505,11 +3506,7 @@
               <a:p>
                 <a:pPr algn="ctr"/>
                 <a:r>
-                  <a:rPr lang="en-US" sz="3000" dirty="0">
-                    <a:solidFill>
-                      <a:srgbClr val="7030A0"/>
-                    </a:solidFill>
-                  </a:rPr>
+                  <a:rPr lang="en-US" sz="2000" dirty="0"/>
                   <a:t>Uploader</a:t>
                 </a:r>
               </a:p>
@@ -5512,6 +5509,1150 @@
 </p:sld>
 </file>
 
+<file path=ppt/slides/slide3.xml><?xml version="1.0" encoding="utf-8"?>
+<p:sld xmlns:a="http://schemas.openxmlformats.org/drawingml/2006/main" xmlns:r="http://schemas.openxmlformats.org/officeDocument/2006/relationships" xmlns:p="http://schemas.openxmlformats.org/presentationml/2006/main">
+  <p:cSld>
+    <p:spTree>
+      <p:nvGrpSpPr>
+        <p:cNvPr id="1" name=""/>
+        <p:cNvGrpSpPr/>
+        <p:nvPr/>
+      </p:nvGrpSpPr>
+      <p:grpSpPr>
+        <a:xfrm>
+          <a:off x="0" y="0"/>
+          <a:ext cx="0" cy="0"/>
+          <a:chOff x="0" y="0"/>
+          <a:chExt cx="0" cy="0"/>
+        </a:xfrm>
+      </p:grpSpPr>
+      <p:grpSp>
+        <p:nvGrpSpPr>
+          <p:cNvPr id="91" name="群組 90">
+            <a:extLst>
+              <a:ext uri="{FF2B5EF4-FFF2-40B4-BE49-F238E27FC236}">
+                <a16:creationId xmlns:a16="http://schemas.microsoft.com/office/drawing/2014/main" id="{53EC2151-E10B-8C49-993A-29D88C2D28E1}"/>
+              </a:ext>
+            </a:extLst>
+          </p:cNvPr>
+          <p:cNvGrpSpPr/>
+          <p:nvPr/>
+        </p:nvGrpSpPr>
+        <p:grpSpPr>
+          <a:xfrm>
+            <a:off x="952167" y="1163783"/>
+            <a:ext cx="11007830" cy="2490840"/>
+            <a:chOff x="1223864" y="2804128"/>
+            <a:chExt cx="8855601" cy="1581253"/>
+          </a:xfrm>
+        </p:grpSpPr>
+        <p:sp>
+          <p:nvSpPr>
+            <p:cNvPr id="6" name="TextBox 6">
+              <a:extLst>
+                <a:ext uri="{FF2B5EF4-FFF2-40B4-BE49-F238E27FC236}">
+                  <a16:creationId xmlns:a16="http://schemas.microsoft.com/office/drawing/2014/main" id="{78286F97-9A0B-7246-9FA6-CD7C6E10524D}"/>
+                </a:ext>
+              </a:extLst>
+            </p:cNvPr>
+            <p:cNvSpPr txBox="1"/>
+            <p:nvPr/>
+          </p:nvSpPr>
+          <p:spPr>
+            <a:xfrm>
+              <a:off x="1223864" y="3364443"/>
+              <a:ext cx="971296" cy="254001"/>
+            </a:xfrm>
+            <a:prstGeom prst="rect">
+              <a:avLst/>
+            </a:prstGeom>
+            <a:noFill/>
+          </p:spPr>
+          <p:txBody>
+            <a:bodyPr wrap="square" rtlCol="0">
+              <a:spAutoFit/>
+            </a:bodyPr>
+            <a:lstStyle/>
+            <a:p>
+              <a:pPr algn="ctr"/>
+              <a:r>
+                <a:rPr lang="en-US" sz="2000" b="1" dirty="0"/>
+                <a:t>Uploader</a:t>
+              </a:r>
+            </a:p>
+          </p:txBody>
+        </p:sp>
+        <mc:AlternateContent xmlns:mc="http://schemas.openxmlformats.org/markup-compatibility/2006">
+          <mc:Choice xmlns:a14="http://schemas.microsoft.com/office/drawing/2010/main" Requires="a14">
+            <p:sp>
+              <p:nvSpPr>
+                <p:cNvPr id="8" name="Rectangle 8">
+                  <a:extLst>
+                    <a:ext uri="{FF2B5EF4-FFF2-40B4-BE49-F238E27FC236}">
+                      <a16:creationId xmlns:a16="http://schemas.microsoft.com/office/drawing/2014/main" id="{5F74964F-F40C-BF49-8DE5-F2B125619E81}"/>
+                    </a:ext>
+                  </a:extLst>
+                </p:cNvPr>
+                <p:cNvSpPr/>
+                <p:nvPr/>
+              </p:nvSpPr>
+              <p:spPr>
+                <a:xfrm>
+                  <a:off x="3638247" y="3254459"/>
+                  <a:ext cx="2847922" cy="250870"/>
+                </a:xfrm>
+                <a:prstGeom prst="rect">
+                  <a:avLst/>
+                </a:prstGeom>
+                <a:solidFill>
+                  <a:schemeClr val="accent6">
+                    <a:lumMod val="60000"/>
+                    <a:lumOff val="40000"/>
+                  </a:schemeClr>
+                </a:solidFill>
+              </p:spPr>
+              <p:style>
+                <a:lnRef idx="2">
+                  <a:schemeClr val="accent6">
+                    <a:shade val="50000"/>
+                  </a:schemeClr>
+                </a:lnRef>
+                <a:fillRef idx="1">
+                  <a:schemeClr val="accent6"/>
+                </a:fillRef>
+                <a:effectRef idx="0">
+                  <a:schemeClr val="accent6"/>
+                </a:effectRef>
+                <a:fontRef idx="minor">
+                  <a:schemeClr val="lt1"/>
+                </a:fontRef>
+              </p:style>
+              <p:txBody>
+                <a:bodyPr rtlCol="0" anchor="ctr"/>
+                <a:lstStyle/>
+                <a:p>
+                  <a:pPr algn="ctr"/>
+                  <a14:m>
+                    <m:oMathPara xmlns:m="http://schemas.openxmlformats.org/officeDocument/2006/math">
+                      <m:oMathParaPr>
+                        <m:jc m:val="center"/>
+                      </m:oMathParaPr>
+                      <m:oMath xmlns:m="http://schemas.openxmlformats.org/officeDocument/2006/math">
+                        <m:sSub>
+                          <m:sSubPr>
+                            <m:ctrlPr>
+                              <a:rPr lang="en-US" altLang="zh-TW" sz="1500" i="1" smtClean="0">
+                                <a:solidFill>
+                                  <a:schemeClr val="tx1"/>
+                                </a:solidFill>
+                                <a:latin typeface="Cambria Math" panose="02040503050406030204" pitchFamily="18" charset="0"/>
+                              </a:rPr>
+                            </m:ctrlPr>
+                          </m:sSubPr>
+                          <m:e>
+                            <m:r>
+                              <a:rPr lang="en-US" altLang="zh-TW" sz="1500" b="0" i="1" smtClean="0">
+                                <a:solidFill>
+                                  <a:schemeClr val="tx1"/>
+                                </a:solidFill>
+                                <a:latin typeface="Cambria Math" panose="02040503050406030204" pitchFamily="18" charset="0"/>
+                              </a:rPr>
+                              <m:t>𝑡</m:t>
+                            </m:r>
+                          </m:e>
+                          <m:sub>
+                            <m:r>
+                              <a:rPr lang="en-US" altLang="zh-TW" sz="1500" b="0" i="1" smtClean="0">
+                                <a:solidFill>
+                                  <a:schemeClr val="tx1"/>
+                                </a:solidFill>
+                                <a:latin typeface="Cambria Math" panose="02040503050406030204" pitchFamily="18" charset="0"/>
+                              </a:rPr>
+                              <m:t>𝑖</m:t>
+                            </m:r>
+                          </m:sub>
+                        </m:sSub>
+                        <m:r>
+                          <a:rPr lang="en-US" altLang="zh-TW" sz="1500" b="0" i="1" smtClean="0">
+                            <a:solidFill>
+                              <a:schemeClr val="tx1"/>
+                            </a:solidFill>
+                            <a:latin typeface="Cambria Math" panose="02040503050406030204" pitchFamily="18" charset="0"/>
+                          </a:rPr>
+                          <m:t>=</m:t>
+                        </m:r>
+                        <m:sSub>
+                          <m:sSubPr>
+                            <m:ctrlPr>
+                              <a:rPr lang="en-US" altLang="zh-TW" sz="1500" i="1" dirty="0" smtClean="0">
+                                <a:solidFill>
+                                  <a:schemeClr val="tx1"/>
+                                </a:solidFill>
+                                <a:latin typeface="Cambria Math" panose="02040503050406030204" pitchFamily="18" charset="0"/>
+                              </a:rPr>
+                            </m:ctrlPr>
+                          </m:sSubPr>
+                          <m:e>
+                            <m:r>
+                              <a:rPr lang="en-US" altLang="zh-TW" sz="1500" b="0" i="1" dirty="0" smtClean="0">
+                                <a:solidFill>
+                                  <a:schemeClr val="tx1"/>
+                                </a:solidFill>
+                                <a:latin typeface="Cambria Math" panose="02040503050406030204" pitchFamily="18" charset="0"/>
+                              </a:rPr>
+                              <m:t>𝑠</m:t>
+                            </m:r>
+                          </m:e>
+                          <m:sub>
+                            <m:r>
+                              <a:rPr lang="en-US" altLang="zh-TW" sz="1500" b="0" i="1" dirty="0" smtClean="0">
+                                <a:solidFill>
+                                  <a:schemeClr val="tx1"/>
+                                </a:solidFill>
+                                <a:latin typeface="Cambria Math" panose="02040503050406030204" pitchFamily="18" charset="0"/>
+                              </a:rPr>
+                              <m:t>𝑖</m:t>
+                            </m:r>
+                          </m:sub>
+                        </m:sSub>
+                        <m:r>
+                          <a:rPr lang="en-US" altLang="zh-TW" sz="1500" b="0" i="1" smtClean="0">
+                            <a:solidFill>
+                              <a:schemeClr val="tx1"/>
+                            </a:solidFill>
+                            <a:latin typeface="Cambria Math" panose="02040503050406030204" pitchFamily="18" charset="0"/>
+                          </a:rPr>
+                          <m:t>/</m:t>
+                        </m:r>
+                        <m:sSub>
+                          <m:sSubPr>
+                            <m:ctrlPr>
+                              <a:rPr lang="en-US" altLang="zh-TW" sz="1500" b="0" i="1" smtClean="0">
+                                <a:solidFill>
+                                  <a:schemeClr val="tx1"/>
+                                </a:solidFill>
+                                <a:latin typeface="Cambria Math" panose="02040503050406030204" pitchFamily="18" charset="0"/>
+                              </a:rPr>
+                            </m:ctrlPr>
+                          </m:sSubPr>
+                          <m:e>
+                            <m:r>
+                              <a:rPr lang="en-US" altLang="zh-TW" sz="1500" b="0" i="1" smtClean="0">
+                                <a:solidFill>
+                                  <a:schemeClr val="tx1"/>
+                                </a:solidFill>
+                                <a:latin typeface="Cambria Math" panose="02040503050406030204" pitchFamily="18" charset="0"/>
+                              </a:rPr>
+                              <m:t>𝐶</m:t>
+                            </m:r>
+                          </m:e>
+                          <m:sub>
+                            <m:r>
+                              <a:rPr lang="en-US" altLang="zh-TW" sz="1500" b="0" i="1" smtClean="0">
+                                <a:solidFill>
+                                  <a:schemeClr val="tx1"/>
+                                </a:solidFill>
+                                <a:latin typeface="Cambria Math" panose="02040503050406030204" pitchFamily="18" charset="0"/>
+                              </a:rPr>
+                              <m:t>𝑖</m:t>
+                            </m:r>
+                          </m:sub>
+                        </m:sSub>
+                      </m:oMath>
+                    </m:oMathPara>
+                  </a14:m>
+                  <a:endParaRPr lang="en-US" sz="1500" dirty="0"/>
+                </a:p>
+              </p:txBody>
+            </p:sp>
+          </mc:Choice>
+          <mc:Fallback>
+            <p:sp>
+              <p:nvSpPr>
+                <p:cNvPr id="8" name="Rectangle 8">
+                  <a:extLst>
+                    <a:ext uri="{FF2B5EF4-FFF2-40B4-BE49-F238E27FC236}">
+                      <a16:creationId xmlns:a16="http://schemas.microsoft.com/office/drawing/2014/main" id="{5F74964F-F40C-BF49-8DE5-F2B125619E81}"/>
+                    </a:ext>
+                  </a:extLst>
+                </p:cNvPr>
+                <p:cNvSpPr>
+                  <a:spLocks noRot="1" noChangeAspect="1" noMove="1" noResize="1" noEditPoints="1" noAdjustHandles="1" noChangeArrowheads="1" noChangeShapeType="1" noTextEdit="1"/>
+                </p:cNvSpPr>
+                <p:nvPr/>
+              </p:nvSpPr>
+              <p:spPr>
+                <a:xfrm>
+                  <a:off x="3638247" y="3254459"/>
+                  <a:ext cx="2847922" cy="250870"/>
+                </a:xfrm>
+                <a:prstGeom prst="rect">
+                  <a:avLst/>
+                </a:prstGeom>
+                <a:blipFill>
+                  <a:blip r:embed="rId2"/>
+                  <a:stretch>
+                    <a:fillRect/>
+                  </a:stretch>
+                </a:blipFill>
+              </p:spPr>
+              <p:txBody>
+                <a:bodyPr/>
+                <a:lstStyle/>
+                <a:p>
+                  <a:r>
+                    <a:rPr lang="zh-TW" altLang="en-US">
+                      <a:noFill/>
+                    </a:rPr>
+                    <a:t> </a:t>
+                  </a:r>
+                </a:p>
+              </p:txBody>
+            </p:sp>
+          </mc:Fallback>
+        </mc:AlternateContent>
+        <p:cxnSp>
+          <p:nvCxnSpPr>
+            <p:cNvPr id="23" name="Straight Arrow Connector 14">
+              <a:extLst>
+                <a:ext uri="{FF2B5EF4-FFF2-40B4-BE49-F238E27FC236}">
+                  <a16:creationId xmlns:a16="http://schemas.microsoft.com/office/drawing/2014/main" id="{35C84121-87EC-1248-94D0-B1B3E7831EDE}"/>
+                </a:ext>
+              </a:extLst>
+            </p:cNvPr>
+            <p:cNvCxnSpPr>
+              <a:cxnSpLocks/>
+            </p:cNvCxnSpPr>
+            <p:nvPr/>
+          </p:nvCxnSpPr>
+          <p:spPr>
+            <a:xfrm>
+              <a:off x="3634917" y="3774150"/>
+              <a:ext cx="2881316" cy="0"/>
+            </a:xfrm>
+            <a:prstGeom prst="straightConnector1">
+              <a:avLst/>
+            </a:prstGeom>
+            <a:ln w="25400">
+              <a:solidFill>
+                <a:schemeClr val="tx1"/>
+              </a:solidFill>
+              <a:tailEnd type="triangle"/>
+            </a:ln>
+          </p:spPr>
+          <p:style>
+            <a:lnRef idx="1">
+              <a:schemeClr val="accent1"/>
+            </a:lnRef>
+            <a:fillRef idx="0">
+              <a:schemeClr val="accent1"/>
+            </a:fillRef>
+            <a:effectRef idx="0">
+              <a:schemeClr val="accent1"/>
+            </a:effectRef>
+            <a:fontRef idx="minor">
+              <a:schemeClr val="tx1"/>
+            </a:fontRef>
+          </p:style>
+        </p:cxnSp>
+        <p:cxnSp>
+          <p:nvCxnSpPr>
+            <p:cNvPr id="28" name="Straight Connector 11">
+              <a:extLst>
+                <a:ext uri="{FF2B5EF4-FFF2-40B4-BE49-F238E27FC236}">
+                  <a16:creationId xmlns:a16="http://schemas.microsoft.com/office/drawing/2014/main" id="{6DAEB5DB-0312-6A4F-AA38-B90412DD501D}"/>
+                </a:ext>
+              </a:extLst>
+            </p:cNvPr>
+            <p:cNvCxnSpPr>
+              <a:cxnSpLocks/>
+            </p:cNvCxnSpPr>
+            <p:nvPr/>
+          </p:nvCxnSpPr>
+          <p:spPr>
+            <a:xfrm>
+              <a:off x="3634917" y="3047145"/>
+              <a:ext cx="0" cy="968542"/>
+            </a:xfrm>
+            <a:prstGeom prst="line">
+              <a:avLst/>
+            </a:prstGeom>
+            <a:ln w="12700">
+              <a:solidFill>
+                <a:schemeClr val="tx1"/>
+              </a:solidFill>
+              <a:prstDash val="lgDash"/>
+            </a:ln>
+          </p:spPr>
+          <p:style>
+            <a:lnRef idx="1">
+              <a:schemeClr val="accent1"/>
+            </a:lnRef>
+            <a:fillRef idx="0">
+              <a:schemeClr val="accent1"/>
+            </a:fillRef>
+            <a:effectRef idx="0">
+              <a:schemeClr val="accent1"/>
+            </a:effectRef>
+            <a:fontRef idx="minor">
+              <a:schemeClr val="tx1"/>
+            </a:fontRef>
+          </p:style>
+        </p:cxnSp>
+        <p:cxnSp>
+          <p:nvCxnSpPr>
+            <p:cNvPr id="4" name="Straight Arrow Connector 4">
+              <a:extLst>
+                <a:ext uri="{FF2B5EF4-FFF2-40B4-BE49-F238E27FC236}">
+                  <a16:creationId xmlns:a16="http://schemas.microsoft.com/office/drawing/2014/main" id="{5ECB134B-51AE-DE4D-A452-2F1158958067}"/>
+                </a:ext>
+              </a:extLst>
+            </p:cNvPr>
+            <p:cNvCxnSpPr>
+              <a:cxnSpLocks/>
+            </p:cNvCxnSpPr>
+            <p:nvPr/>
+          </p:nvCxnSpPr>
+          <p:spPr>
+            <a:xfrm>
+              <a:off x="2227425" y="3491443"/>
+              <a:ext cx="7852040" cy="23168"/>
+            </a:xfrm>
+            <a:prstGeom prst="straightConnector1">
+              <a:avLst/>
+            </a:prstGeom>
+            <a:ln w="19050">
+              <a:solidFill>
+                <a:schemeClr val="tx1"/>
+              </a:solidFill>
+              <a:tailEnd type="triangle"/>
+            </a:ln>
+          </p:spPr>
+          <p:style>
+            <a:lnRef idx="1">
+              <a:schemeClr val="accent1"/>
+            </a:lnRef>
+            <a:fillRef idx="0">
+              <a:schemeClr val="accent1"/>
+            </a:fillRef>
+            <a:effectRef idx="0">
+              <a:schemeClr val="accent1"/>
+            </a:effectRef>
+            <a:fontRef idx="minor">
+              <a:schemeClr val="tx1"/>
+            </a:fontRef>
+          </p:style>
+        </p:cxnSp>
+        <mc:AlternateContent xmlns:mc="http://schemas.openxmlformats.org/markup-compatibility/2006">
+          <mc:Choice xmlns:a14="http://schemas.microsoft.com/office/drawing/2010/main" Requires="a14">
+            <p:sp>
+              <p:nvSpPr>
+                <p:cNvPr id="20" name="TextBox 37">
+                  <a:extLst>
+                    <a:ext uri="{FF2B5EF4-FFF2-40B4-BE49-F238E27FC236}">
+                      <a16:creationId xmlns:a16="http://schemas.microsoft.com/office/drawing/2014/main" id="{7D3E6B9A-B885-A344-815A-28FBCEF733BB}"/>
+                    </a:ext>
+                  </a:extLst>
+                </p:cNvPr>
+                <p:cNvSpPr txBox="1"/>
+                <p:nvPr/>
+              </p:nvSpPr>
+              <p:spPr>
+                <a:xfrm>
+                  <a:off x="2443629" y="4028565"/>
+                  <a:ext cx="883485" cy="292223"/>
+                </a:xfrm>
+                <a:prstGeom prst="rect">
+                  <a:avLst/>
+                </a:prstGeom>
+                <a:noFill/>
+              </p:spPr>
+              <p:txBody>
+                <a:bodyPr wrap="square" rtlCol="0">
+                  <a:spAutoFit/>
+                </a:bodyPr>
+                <a:lstStyle/>
+                <a:p>
+                  <a:pPr/>
+                  <a14:m>
+                    <m:oMathPara xmlns:m="http://schemas.openxmlformats.org/officeDocument/2006/math">
+                      <m:oMathParaPr>
+                        <m:jc m:val="centerGroup"/>
+                      </m:oMathParaPr>
+                      <m:oMath xmlns:m="http://schemas.openxmlformats.org/officeDocument/2006/math">
+                        <m:sSubSup>
+                          <m:sSubSupPr>
+                            <m:ctrlPr>
+                              <a:rPr lang="en-US" altLang="zh-TW" i="1" smtClean="0">
+                                <a:latin typeface="Cambria Math" panose="02040503050406030204" pitchFamily="18" charset="0"/>
+                              </a:rPr>
+                            </m:ctrlPr>
+                          </m:sSubSupPr>
+                          <m:e>
+                            <m:r>
+                              <a:rPr lang="en-US" altLang="zh-TW" b="0" i="1" smtClean="0">
+                                <a:latin typeface="Cambria Math" panose="02040503050406030204" pitchFamily="18" charset="0"/>
+                              </a:rPr>
+                              <m:t>𝑡</m:t>
+                            </m:r>
+                          </m:e>
+                          <m:sub>
+                            <m:r>
+                              <a:rPr lang="en-US" altLang="zh-TW" b="0" i="1" smtClean="0">
+                                <a:latin typeface="Cambria Math" panose="02040503050406030204" pitchFamily="18" charset="0"/>
+                              </a:rPr>
+                              <m:t>𝑔</m:t>
+                            </m:r>
+                          </m:sub>
+                          <m:sup>
+                            <m:r>
+                              <a:rPr lang="en-US" altLang="zh-TW" b="0" i="1" smtClean="0">
+                                <a:latin typeface="Cambria Math" panose="02040503050406030204" pitchFamily="18" charset="0"/>
+                              </a:rPr>
+                              <m:t>(</m:t>
+                            </m:r>
+                            <m:r>
+                              <a:rPr lang="en-US" altLang="zh-TW" b="0" i="1" smtClean="0">
+                                <a:latin typeface="Cambria Math" panose="02040503050406030204" pitchFamily="18" charset="0"/>
+                              </a:rPr>
+                              <m:t>𝑖</m:t>
+                            </m:r>
+                            <m:r>
+                              <a:rPr lang="en-US" altLang="zh-TW" b="0" i="1" smtClean="0">
+                                <a:latin typeface="Cambria Math" panose="02040503050406030204" pitchFamily="18" charset="0"/>
+                              </a:rPr>
+                              <m:t>)</m:t>
+                            </m:r>
+                          </m:sup>
+                        </m:sSubSup>
+                      </m:oMath>
+                    </m:oMathPara>
+                  </a14:m>
+                  <a:endParaRPr lang="en-US" dirty="0"/>
+                </a:p>
+              </p:txBody>
+            </p:sp>
+          </mc:Choice>
+          <mc:Fallback>
+            <p:sp>
+              <p:nvSpPr>
+                <p:cNvPr id="20" name="TextBox 37">
+                  <a:extLst>
+                    <a:ext uri="{FF2B5EF4-FFF2-40B4-BE49-F238E27FC236}">
+                      <a16:creationId xmlns:a16="http://schemas.microsoft.com/office/drawing/2014/main" id="{7D3E6B9A-B885-A344-815A-28FBCEF733BB}"/>
+                    </a:ext>
+                  </a:extLst>
+                </p:cNvPr>
+                <p:cNvSpPr txBox="1">
+                  <a:spLocks noRot="1" noChangeAspect="1" noMove="1" noResize="1" noEditPoints="1" noAdjustHandles="1" noChangeArrowheads="1" noChangeShapeType="1" noTextEdit="1"/>
+                </p:cNvSpPr>
+                <p:nvPr/>
+              </p:nvSpPr>
+              <p:spPr>
+                <a:xfrm>
+                  <a:off x="2443629" y="4028565"/>
+                  <a:ext cx="883485" cy="292223"/>
+                </a:xfrm>
+                <a:prstGeom prst="rect">
+                  <a:avLst/>
+                </a:prstGeom>
+                <a:blipFill>
+                  <a:blip r:embed="rId3"/>
+                  <a:stretch>
+                    <a:fillRect b="-5405"/>
+                  </a:stretch>
+                </a:blipFill>
+              </p:spPr>
+              <p:txBody>
+                <a:bodyPr/>
+                <a:lstStyle/>
+                <a:p>
+                  <a:r>
+                    <a:rPr lang="zh-TW" altLang="en-US">
+                      <a:noFill/>
+                    </a:rPr>
+                    <a:t> </a:t>
+                  </a:r>
+                </a:p>
+              </p:txBody>
+            </p:sp>
+          </mc:Fallback>
+        </mc:AlternateContent>
+        <p:cxnSp>
+          <p:nvCxnSpPr>
+            <p:cNvPr id="24" name="Straight Connector 11">
+              <a:extLst>
+                <a:ext uri="{FF2B5EF4-FFF2-40B4-BE49-F238E27FC236}">
+                  <a16:creationId xmlns:a16="http://schemas.microsoft.com/office/drawing/2014/main" id="{40DEBAEE-FDDE-1349-BAE1-583F82697F6D}"/>
+                </a:ext>
+              </a:extLst>
+            </p:cNvPr>
+            <p:cNvCxnSpPr>
+              <a:cxnSpLocks/>
+            </p:cNvCxnSpPr>
+            <p:nvPr/>
+          </p:nvCxnSpPr>
+          <p:spPr>
+            <a:xfrm>
+              <a:off x="2881791" y="2804128"/>
+              <a:ext cx="0" cy="1211559"/>
+            </a:xfrm>
+            <a:prstGeom prst="line">
+              <a:avLst/>
+            </a:prstGeom>
+            <a:ln w="19050">
+              <a:solidFill>
+                <a:schemeClr val="tx1"/>
+              </a:solidFill>
+              <a:prstDash val="lgDash"/>
+            </a:ln>
+          </p:spPr>
+          <p:style>
+            <a:lnRef idx="1">
+              <a:schemeClr val="accent1"/>
+            </a:lnRef>
+            <a:fillRef idx="0">
+              <a:schemeClr val="accent1"/>
+            </a:fillRef>
+            <a:effectRef idx="0">
+              <a:schemeClr val="accent1"/>
+            </a:effectRef>
+            <a:fontRef idx="minor">
+              <a:schemeClr val="tx1"/>
+            </a:fontRef>
+          </p:style>
+        </p:cxnSp>
+        <p:cxnSp>
+          <p:nvCxnSpPr>
+            <p:cNvPr id="45" name="Straight Connector 11">
+              <a:extLst>
+                <a:ext uri="{FF2B5EF4-FFF2-40B4-BE49-F238E27FC236}">
+                  <a16:creationId xmlns:a16="http://schemas.microsoft.com/office/drawing/2014/main" id="{69DF976E-871A-E34C-B58C-35251504D51F}"/>
+                </a:ext>
+              </a:extLst>
+            </p:cNvPr>
+            <p:cNvCxnSpPr>
+              <a:cxnSpLocks/>
+            </p:cNvCxnSpPr>
+            <p:nvPr/>
+          </p:nvCxnSpPr>
+          <p:spPr>
+            <a:xfrm>
+              <a:off x="6075401" y="2804128"/>
+              <a:ext cx="0" cy="1211558"/>
+            </a:xfrm>
+            <a:prstGeom prst="line">
+              <a:avLst/>
+            </a:prstGeom>
+            <a:ln w="19050">
+              <a:solidFill>
+                <a:schemeClr val="tx1"/>
+              </a:solidFill>
+              <a:prstDash val="lgDash"/>
+            </a:ln>
+          </p:spPr>
+          <p:style>
+            <a:lnRef idx="1">
+              <a:schemeClr val="accent1"/>
+            </a:lnRef>
+            <a:fillRef idx="0">
+              <a:schemeClr val="accent1"/>
+            </a:fillRef>
+            <a:effectRef idx="0">
+              <a:schemeClr val="accent1"/>
+            </a:effectRef>
+            <a:fontRef idx="minor">
+              <a:schemeClr val="tx1"/>
+            </a:fontRef>
+          </p:style>
+        </p:cxnSp>
+        <p:cxnSp>
+          <p:nvCxnSpPr>
+            <p:cNvPr id="69" name="Straight Connector 11">
+              <a:extLst>
+                <a:ext uri="{FF2B5EF4-FFF2-40B4-BE49-F238E27FC236}">
+                  <a16:creationId xmlns:a16="http://schemas.microsoft.com/office/drawing/2014/main" id="{1C19F683-EF24-4F4D-99F9-902A41F8A54A}"/>
+                </a:ext>
+              </a:extLst>
+            </p:cNvPr>
+            <p:cNvCxnSpPr>
+              <a:cxnSpLocks/>
+            </p:cNvCxnSpPr>
+            <p:nvPr/>
+          </p:nvCxnSpPr>
+          <p:spPr>
+            <a:xfrm>
+              <a:off x="9134959" y="2804128"/>
+              <a:ext cx="0" cy="1204759"/>
+            </a:xfrm>
+            <a:prstGeom prst="line">
+              <a:avLst/>
+            </a:prstGeom>
+            <a:ln w="19050">
+              <a:solidFill>
+                <a:schemeClr val="tx1"/>
+              </a:solidFill>
+              <a:prstDash val="lgDash"/>
+            </a:ln>
+          </p:spPr>
+          <p:style>
+            <a:lnRef idx="1">
+              <a:schemeClr val="accent1"/>
+            </a:lnRef>
+            <a:fillRef idx="0">
+              <a:schemeClr val="accent1"/>
+            </a:fillRef>
+            <a:effectRef idx="0">
+              <a:schemeClr val="accent1"/>
+            </a:effectRef>
+            <a:fontRef idx="minor">
+              <a:schemeClr val="tx1"/>
+            </a:fontRef>
+          </p:style>
+        </p:cxnSp>
+        <p:cxnSp>
+          <p:nvCxnSpPr>
+            <p:cNvPr id="85" name="Straight Connector 11">
+              <a:extLst>
+                <a:ext uri="{FF2B5EF4-FFF2-40B4-BE49-F238E27FC236}">
+                  <a16:creationId xmlns:a16="http://schemas.microsoft.com/office/drawing/2014/main" id="{1786972D-AD5D-714A-9286-FF3A8DEE327A}"/>
+                </a:ext>
+              </a:extLst>
+            </p:cNvPr>
+            <p:cNvCxnSpPr>
+              <a:cxnSpLocks/>
+            </p:cNvCxnSpPr>
+            <p:nvPr/>
+          </p:nvCxnSpPr>
+          <p:spPr>
+            <a:xfrm>
+              <a:off x="6493121" y="2979761"/>
+              <a:ext cx="0" cy="1006376"/>
+            </a:xfrm>
+            <a:prstGeom prst="line">
+              <a:avLst/>
+            </a:prstGeom>
+            <a:ln w="12700">
+              <a:solidFill>
+                <a:schemeClr val="tx1"/>
+              </a:solidFill>
+              <a:prstDash val="lgDash"/>
+            </a:ln>
+          </p:spPr>
+          <p:style>
+            <a:lnRef idx="1">
+              <a:schemeClr val="accent1"/>
+            </a:lnRef>
+            <a:fillRef idx="0">
+              <a:schemeClr val="accent1"/>
+            </a:fillRef>
+            <a:effectRef idx="0">
+              <a:schemeClr val="accent1"/>
+            </a:effectRef>
+            <a:fontRef idx="minor">
+              <a:schemeClr val="tx1"/>
+            </a:fontRef>
+          </p:style>
+        </p:cxnSp>
+        <mc:AlternateContent xmlns:mc="http://schemas.openxmlformats.org/markup-compatibility/2006">
+          <mc:Choice xmlns:a14="http://schemas.microsoft.com/office/drawing/2010/main" Requires="a14">
+            <p:sp>
+              <p:nvSpPr>
+                <p:cNvPr id="90" name="TextBox 37">
+                  <a:extLst>
+                    <a:ext uri="{FF2B5EF4-FFF2-40B4-BE49-F238E27FC236}">
+                      <a16:creationId xmlns:a16="http://schemas.microsoft.com/office/drawing/2014/main" id="{29B486E1-F9DD-714F-AD51-930D1AFC58FB}"/>
+                    </a:ext>
+                  </a:extLst>
+                </p:cNvPr>
+                <p:cNvSpPr txBox="1"/>
+                <p:nvPr/>
+              </p:nvSpPr>
+              <p:spPr>
+                <a:xfrm>
+                  <a:off x="3199421" y="4016049"/>
+                  <a:ext cx="883485" cy="369332"/>
+                </a:xfrm>
+                <a:prstGeom prst="rect">
+                  <a:avLst/>
+                </a:prstGeom>
+                <a:noFill/>
+              </p:spPr>
+              <p:txBody>
+                <a:bodyPr wrap="square" rtlCol="0">
+                  <a:spAutoFit/>
+                </a:bodyPr>
+                <a:lstStyle/>
+                <a:p>
+                  <a:pPr/>
+                  <a14:m>
+                    <m:oMathPara xmlns:m="http://schemas.openxmlformats.org/officeDocument/2006/math">
+                      <m:oMathParaPr>
+                        <m:jc m:val="centerGroup"/>
+                      </m:oMathParaPr>
+                      <m:oMath xmlns:m="http://schemas.openxmlformats.org/officeDocument/2006/math">
+                        <m:sSub>
+                          <m:sSubPr>
+                            <m:ctrlPr>
+                              <a:rPr lang="en-US" altLang="zh-TW" b="0" i="1" smtClean="0">
+                                <a:latin typeface="Cambria Math" panose="02040503050406030204" pitchFamily="18" charset="0"/>
+                              </a:rPr>
+                            </m:ctrlPr>
+                          </m:sSubPr>
+                          <m:e>
+                            <m:r>
+                              <a:rPr lang="en-US" altLang="zh-TW" b="0" i="1" smtClean="0">
+                                <a:latin typeface="Cambria Math" panose="02040503050406030204" pitchFamily="18" charset="0"/>
+                              </a:rPr>
+                              <m:t>𝑡</m:t>
+                            </m:r>
+                          </m:e>
+                          <m:sub>
+                            <m:r>
+                              <a:rPr lang="en-US" altLang="zh-TW" b="0" i="1" smtClean="0">
+                                <a:latin typeface="Cambria Math" panose="02040503050406030204" pitchFamily="18" charset="0"/>
+                              </a:rPr>
+                              <m:t>𝑠</m:t>
+                            </m:r>
+                          </m:sub>
+                        </m:sSub>
+                      </m:oMath>
+                    </m:oMathPara>
+                  </a14:m>
+                  <a:endParaRPr lang="en-US" dirty="0"/>
+                </a:p>
+              </p:txBody>
+            </p:sp>
+          </mc:Choice>
+          <mc:Fallback>
+            <p:sp>
+              <p:nvSpPr>
+                <p:cNvPr id="90" name="TextBox 37">
+                  <a:extLst>
+                    <a:ext uri="{FF2B5EF4-FFF2-40B4-BE49-F238E27FC236}">
+                      <a16:creationId xmlns:a16="http://schemas.microsoft.com/office/drawing/2014/main" id="{29B486E1-F9DD-714F-AD51-930D1AFC58FB}"/>
+                    </a:ext>
+                  </a:extLst>
+                </p:cNvPr>
+                <p:cNvSpPr txBox="1">
+                  <a:spLocks noRot="1" noChangeAspect="1" noMove="1" noResize="1" noEditPoints="1" noAdjustHandles="1" noChangeArrowheads="1" noChangeShapeType="1" noTextEdit="1"/>
+                </p:cNvSpPr>
+                <p:nvPr/>
+              </p:nvSpPr>
+              <p:spPr>
+                <a:xfrm>
+                  <a:off x="3199421" y="4016049"/>
+                  <a:ext cx="883485" cy="369332"/>
+                </a:xfrm>
+                <a:prstGeom prst="rect">
+                  <a:avLst/>
+                </a:prstGeom>
+                <a:blipFill>
+                  <a:blip r:embed="rId4"/>
+                  <a:stretch>
+                    <a:fillRect/>
+                  </a:stretch>
+                </a:blipFill>
+              </p:spPr>
+              <p:txBody>
+                <a:bodyPr/>
+                <a:lstStyle/>
+                <a:p>
+                  <a:r>
+                    <a:rPr lang="zh-TW" altLang="en-US">
+                      <a:noFill/>
+                    </a:rPr>
+                    <a:t> </a:t>
+                  </a:r>
+                </a:p>
+              </p:txBody>
+            </p:sp>
+          </mc:Fallback>
+        </mc:AlternateContent>
+      </p:grpSp>
+      <mc:AlternateContent xmlns:mc="http://schemas.openxmlformats.org/markup-compatibility/2006">
+        <mc:Choice xmlns:a14="http://schemas.microsoft.com/office/drawing/2010/main" Requires="a14">
+          <p:sp>
+            <p:nvSpPr>
+              <p:cNvPr id="39" name="TextBox 37">
+                <a:extLst>
+                  <a:ext uri="{FF2B5EF4-FFF2-40B4-BE49-F238E27FC236}">
+                    <a16:creationId xmlns:a16="http://schemas.microsoft.com/office/drawing/2014/main" id="{F523DBAE-6F9D-0141-9661-5D4273801DD1}"/>
+                  </a:ext>
+                </a:extLst>
+              </p:cNvPr>
+              <p:cNvSpPr txBox="1"/>
+              <p:nvPr/>
+            </p:nvSpPr>
+            <p:spPr>
+              <a:xfrm>
+                <a:off x="6449198" y="3092552"/>
+                <a:ext cx="1098204" cy="460319"/>
+              </a:xfrm>
+              <a:prstGeom prst="rect">
+                <a:avLst/>
+              </a:prstGeom>
+              <a:noFill/>
+            </p:spPr>
+            <p:txBody>
+              <a:bodyPr wrap="square" rtlCol="0">
+                <a:spAutoFit/>
+              </a:bodyPr>
+              <a:lstStyle/>
+              <a:p>
+                <a:pPr/>
+                <a14:m>
+                  <m:oMathPara xmlns:m="http://schemas.openxmlformats.org/officeDocument/2006/math">
+                    <m:oMathParaPr>
+                      <m:jc m:val="centerGroup"/>
+                    </m:oMathParaPr>
+                    <m:oMath xmlns:m="http://schemas.openxmlformats.org/officeDocument/2006/math">
+                      <m:sSubSup>
+                        <m:sSubSupPr>
+                          <m:ctrlPr>
+                            <a:rPr lang="en-US" altLang="zh-TW" i="1" smtClean="0">
+                              <a:latin typeface="Cambria Math" panose="02040503050406030204" pitchFamily="18" charset="0"/>
+                            </a:rPr>
+                          </m:ctrlPr>
+                        </m:sSubSupPr>
+                        <m:e>
+                          <m:r>
+                            <a:rPr lang="en-US" altLang="zh-TW" b="0" i="1" smtClean="0">
+                              <a:latin typeface="Cambria Math" panose="02040503050406030204" pitchFamily="18" charset="0"/>
+                            </a:rPr>
+                            <m:t>𝑡</m:t>
+                          </m:r>
+                        </m:e>
+                        <m:sub>
+                          <m:r>
+                            <a:rPr lang="en-US" altLang="zh-TW" b="0" i="1" smtClean="0">
+                              <a:latin typeface="Cambria Math" panose="02040503050406030204" pitchFamily="18" charset="0"/>
+                            </a:rPr>
+                            <m:t>𝑔</m:t>
+                          </m:r>
+                        </m:sub>
+                        <m:sup>
+                          <m:r>
+                            <a:rPr lang="en-US" altLang="zh-TW" b="0" i="1" smtClean="0">
+                              <a:latin typeface="Cambria Math" panose="02040503050406030204" pitchFamily="18" charset="0"/>
+                            </a:rPr>
+                            <m:t>(</m:t>
+                          </m:r>
+                          <m:r>
+                            <a:rPr lang="en-US" altLang="zh-TW" b="0" i="1" smtClean="0">
+                              <a:latin typeface="Cambria Math" panose="02040503050406030204" pitchFamily="18" charset="0"/>
+                            </a:rPr>
+                            <m:t>𝑖</m:t>
+                          </m:r>
+                          <m:r>
+                            <a:rPr lang="en-US" altLang="zh-TW" b="0" i="1" smtClean="0">
+                              <a:latin typeface="Cambria Math" panose="02040503050406030204" pitchFamily="18" charset="0"/>
+                            </a:rPr>
+                            <m:t>+1)</m:t>
+                          </m:r>
+                        </m:sup>
+                      </m:sSubSup>
+                    </m:oMath>
+                  </m:oMathPara>
+                </a14:m>
+                <a:endParaRPr lang="en-US" dirty="0"/>
+              </a:p>
+            </p:txBody>
+          </p:sp>
+        </mc:Choice>
+        <mc:Fallback>
+          <p:sp>
+            <p:nvSpPr>
+              <p:cNvPr id="39" name="TextBox 37">
+                <a:extLst>
+                  <a:ext uri="{FF2B5EF4-FFF2-40B4-BE49-F238E27FC236}">
+                    <a16:creationId xmlns:a16="http://schemas.microsoft.com/office/drawing/2014/main" id="{F523DBAE-6F9D-0141-9661-5D4273801DD1}"/>
+                  </a:ext>
+                </a:extLst>
+              </p:cNvPr>
+              <p:cNvSpPr txBox="1">
+                <a:spLocks noRot="1" noChangeAspect="1" noMove="1" noResize="1" noEditPoints="1" noAdjustHandles="1" noChangeArrowheads="1" noChangeShapeType="1" noTextEdit="1"/>
+              </p:cNvSpPr>
+              <p:nvPr/>
+            </p:nvSpPr>
+            <p:spPr>
+              <a:xfrm>
+                <a:off x="6449198" y="3092552"/>
+                <a:ext cx="1098204" cy="460319"/>
+              </a:xfrm>
+              <a:prstGeom prst="rect">
+                <a:avLst/>
+              </a:prstGeom>
+              <a:blipFill>
+                <a:blip r:embed="rId5"/>
+                <a:stretch>
+                  <a:fillRect b="-5405"/>
+                </a:stretch>
+              </a:blipFill>
+            </p:spPr>
+            <p:txBody>
+              <a:bodyPr/>
+              <a:lstStyle/>
+              <a:p>
+                <a:r>
+                  <a:rPr lang="zh-TW" altLang="en-US">
+                    <a:noFill/>
+                  </a:rPr>
+                  <a:t> </a:t>
+                </a:r>
+              </a:p>
+            </p:txBody>
+          </p:sp>
+        </mc:Fallback>
+      </mc:AlternateContent>
+      <mc:AlternateContent xmlns:mc="http://schemas.openxmlformats.org/markup-compatibility/2006">
+        <mc:Choice xmlns:a14="http://schemas.microsoft.com/office/drawing/2010/main" Requires="a14">
+          <p:sp>
+            <p:nvSpPr>
+              <p:cNvPr id="42" name="TextBox 37">
+                <a:extLst>
+                  <a:ext uri="{FF2B5EF4-FFF2-40B4-BE49-F238E27FC236}">
+                    <a16:creationId xmlns:a16="http://schemas.microsoft.com/office/drawing/2014/main" id="{B6ACF8E1-625B-BE4E-A9A4-4EBF07C2B55B}"/>
+                  </a:ext>
+                </a:extLst>
+              </p:cNvPr>
+              <p:cNvSpPr txBox="1"/>
+              <p:nvPr/>
+            </p:nvSpPr>
+            <p:spPr>
+              <a:xfrm>
+                <a:off x="10236840" y="3092552"/>
+                <a:ext cx="1098204" cy="460319"/>
+              </a:xfrm>
+              <a:prstGeom prst="rect">
+                <a:avLst/>
+              </a:prstGeom>
+              <a:noFill/>
+            </p:spPr>
+            <p:txBody>
+              <a:bodyPr wrap="square" rtlCol="0">
+                <a:spAutoFit/>
+              </a:bodyPr>
+              <a:lstStyle/>
+              <a:p>
+                <a:pPr/>
+                <a14:m>
+                  <m:oMathPara xmlns:m="http://schemas.openxmlformats.org/officeDocument/2006/math">
+                    <m:oMathParaPr>
+                      <m:jc m:val="centerGroup"/>
+                    </m:oMathParaPr>
+                    <m:oMath xmlns:m="http://schemas.openxmlformats.org/officeDocument/2006/math">
+                      <m:sSubSup>
+                        <m:sSubSupPr>
+                          <m:ctrlPr>
+                            <a:rPr lang="en-US" altLang="zh-TW" i="1" smtClean="0">
+                              <a:latin typeface="Cambria Math" panose="02040503050406030204" pitchFamily="18" charset="0"/>
+                            </a:rPr>
+                          </m:ctrlPr>
+                        </m:sSubSupPr>
+                        <m:e>
+                          <m:r>
+                            <a:rPr lang="en-US" altLang="zh-TW" b="0" i="1" smtClean="0">
+                              <a:latin typeface="Cambria Math" panose="02040503050406030204" pitchFamily="18" charset="0"/>
+                            </a:rPr>
+                            <m:t>𝑡</m:t>
+                          </m:r>
+                        </m:e>
+                        <m:sub>
+                          <m:r>
+                            <a:rPr lang="en-US" altLang="zh-TW" b="0" i="1" smtClean="0">
+                              <a:latin typeface="Cambria Math" panose="02040503050406030204" pitchFamily="18" charset="0"/>
+                            </a:rPr>
+                            <m:t>𝑔</m:t>
+                          </m:r>
+                        </m:sub>
+                        <m:sup>
+                          <m:r>
+                            <a:rPr lang="en-US" altLang="zh-TW" b="0" i="1" smtClean="0">
+                              <a:latin typeface="Cambria Math" panose="02040503050406030204" pitchFamily="18" charset="0"/>
+                            </a:rPr>
+                            <m:t>(</m:t>
+                          </m:r>
+                          <m:r>
+                            <a:rPr lang="en-US" altLang="zh-TW" b="0" i="1" smtClean="0">
+                              <a:latin typeface="Cambria Math" panose="02040503050406030204" pitchFamily="18" charset="0"/>
+                            </a:rPr>
+                            <m:t>𝑖</m:t>
+                          </m:r>
+                          <m:r>
+                            <a:rPr lang="en-US" altLang="zh-TW" b="0" i="1" smtClean="0">
+                              <a:latin typeface="Cambria Math" panose="02040503050406030204" pitchFamily="18" charset="0"/>
+                            </a:rPr>
+                            <m:t>+2)</m:t>
+                          </m:r>
+                        </m:sup>
+                      </m:sSubSup>
+                    </m:oMath>
+                  </m:oMathPara>
+                </a14:m>
+                <a:endParaRPr lang="en-US" dirty="0"/>
+              </a:p>
+            </p:txBody>
+          </p:sp>
+        </mc:Choice>
+        <mc:Fallback>
+          <p:sp>
+            <p:nvSpPr>
+              <p:cNvPr id="42" name="TextBox 37">
+                <a:extLst>
+                  <a:ext uri="{FF2B5EF4-FFF2-40B4-BE49-F238E27FC236}">
+                    <a16:creationId xmlns:a16="http://schemas.microsoft.com/office/drawing/2014/main" id="{B6ACF8E1-625B-BE4E-A9A4-4EBF07C2B55B}"/>
+                  </a:ext>
+                </a:extLst>
+              </p:cNvPr>
+              <p:cNvSpPr txBox="1">
+                <a:spLocks noRot="1" noChangeAspect="1" noMove="1" noResize="1" noEditPoints="1" noAdjustHandles="1" noChangeArrowheads="1" noChangeShapeType="1" noTextEdit="1"/>
+              </p:cNvSpPr>
+              <p:nvPr/>
+            </p:nvSpPr>
+            <p:spPr>
+              <a:xfrm>
+                <a:off x="10236840" y="3092552"/>
+                <a:ext cx="1098204" cy="460319"/>
+              </a:xfrm>
+              <a:prstGeom prst="rect">
+                <a:avLst/>
+              </a:prstGeom>
+              <a:blipFill>
+                <a:blip r:embed="rId6"/>
+                <a:stretch>
+                  <a:fillRect b="-5405"/>
+                </a:stretch>
+              </a:blipFill>
+            </p:spPr>
+            <p:txBody>
+              <a:bodyPr/>
+              <a:lstStyle/>
+              <a:p>
+                <a:r>
+                  <a:rPr lang="zh-TW" altLang="en-US">
+                    <a:noFill/>
+                  </a:rPr>
+                  <a:t> </a:t>
+                </a:r>
+              </a:p>
+            </p:txBody>
+          </p:sp>
+        </mc:Fallback>
+      </mc:AlternateContent>
+    </p:spTree>
+    <p:extLst>
+      <p:ext uri="{BB962C8B-B14F-4D97-AF65-F5344CB8AC3E}">
+        <p14:creationId xmlns:p14="http://schemas.microsoft.com/office/powerpoint/2010/main" val="3732765263"/>
+      </p:ext>
+    </p:extLst>
+  </p:cSld>
+  <p:clrMapOvr>
+    <a:masterClrMapping/>
+  </p:clrMapOvr>
+</p:sld>
+</file>
+
 <file path=ppt/theme/theme1.xml><?xml version="1.0" encoding="utf-8"?>
 <a:theme xmlns:a="http://schemas.openxmlformats.org/drawingml/2006/main" name="Office 佈景主題">
   <a:themeElements>
